--- a/project_3/Final Submission/Help social centers accurately identify patients  having ptsd.pptx
+++ b/project_3/Final Submission/Help social centers accurately identify patients  having ptsd.pptx
@@ -9066,12 +9066,12 @@
         <p:spPr>
           <a:xfrm>
             <a:off x="1066800" y="1860232"/>
-            <a:ext cx="9753602" cy="3849624"/>
+            <a:ext cx="9753602" cy="4511612"/>
           </a:xfrm>
         </p:spPr>
         <p:txBody>
           <a:bodyPr>
-            <a:normAutofit/>
+            <a:normAutofit lnSpcReduction="10000"/>
           </a:bodyPr>
           <a:lstStyle/>
           <a:p>
@@ -9134,7 +9134,7 @@
             </a:pPr>
             <a:r>
               <a:rPr lang="en-US" sz="1600" dirty="0"/>
-              <a:t>Entry forums for new patients who wishes to go for counselling </a:t>
+              <a:t>Entry forums for new patients who wishes to go for counselling (to collect more data)</a:t>
             </a:r>
           </a:p>
           <a:p>
@@ -9154,7 +9154,17 @@
             </a:pPr>
             <a:r>
               <a:rPr lang="en-US" sz="1600" dirty="0"/>
-              <a:t>Main idea is to continue collecting real time context because with professional feedback on jargons used and proper classification, it should gain more accuracy and better predicting power while already implementing this to help classify people having PTSD with considerable accuracy. </a:t>
+              <a:t>Main idea is to continue collecting real time context because with professional feedback on jargons used and proper classification, it should gain more accuracy and better predicting power while already implementing this to help classify people having PTSD with considerable accuracy.</a:t>
+            </a:r>
+          </a:p>
+          <a:p>
+            <a:pPr lvl="1">
+              <a:buFontTx/>
+              <a:buChar char="-"/>
+            </a:pPr>
+            <a:r>
+              <a:rPr lang="en-US" sz="1600" dirty="0"/>
+              <a:t>Keeping in mind having high peaks of the number of post in June and Dec, you may consider running a campaign to beef up support for people and use these high peaks as a matrix in the following years to track the effectiveness of the campaigns. </a:t>
             </a:r>
           </a:p>
           <a:p>

--- a/project_3/Final Submission/Help social centers accurately identify patients  having ptsd.pptx
+++ b/project_3/Final Submission/Help social centers accurately identify patients  having ptsd.pptx
@@ -214,7 +214,7 @@
           <a:p>
             <a:fld id="{CC6DBDFE-DD3D-4291-A404-1B97A83A6EA8}" type="datetimeFigureOut">
               <a:rPr lang="en-US" smtClean="0"/>
-              <a:t>3/31/2022</a:t>
+              <a:t>4/1/2022</a:t>
             </a:fld>
             <a:endParaRPr lang="en-US" dirty="0"/>
           </a:p>
@@ -1094,7 +1094,7 @@
           <a:p>
             <a:fld id="{EA0C0817-A112-4847-8014-A94B7D2A4EA3}" type="datetime1">
               <a:rPr lang="en-US" smtClean="0"/>
-              <a:t>3/31/2022</a:t>
+              <a:t>4/1/2022</a:t>
             </a:fld>
             <a:endParaRPr lang="en-US" dirty="0"/>
           </a:p>
@@ -1296,7 +1296,7 @@
           <a:p>
             <a:fld id="{7332B432-ACDA-4023-A761-2BAB76577B62}" type="datetime1">
               <a:rPr lang="en-US" smtClean="0"/>
-              <a:t>3/31/2022</a:t>
+              <a:t>4/1/2022</a:t>
             </a:fld>
             <a:endParaRPr lang="en-US" dirty="0"/>
           </a:p>
@@ -1895,7 +1895,7 @@
           <a:p>
             <a:fld id="{D9C646AA-F36E-4540-911D-FFFC0A0EF24A}" type="datetime1">
               <a:rPr lang="en-US" smtClean="0"/>
-              <a:t>3/31/2022</a:t>
+              <a:t>4/1/2022</a:t>
             </a:fld>
             <a:endParaRPr lang="en-US" dirty="0"/>
           </a:p>
@@ -2215,7 +2215,7 @@
           <a:p>
             <a:fld id="{69186D26-FA5F-4637-B602-B7C2DC34CFD4}" type="datetime1">
               <a:rPr lang="en-US" smtClean="0"/>
-              <a:t>3/31/2022</a:t>
+              <a:t>4/1/2022</a:t>
             </a:fld>
             <a:endParaRPr lang="en-US" dirty="0"/>
           </a:p>
@@ -2652,7 +2652,7 @@
           <a:p>
             <a:fld id="{8A7F15D8-96D1-4781-BC50-CA8A088B2FE4}" type="datetime1">
               <a:rPr lang="en-US" smtClean="0"/>
-              <a:t>3/31/2022</a:t>
+              <a:t>4/1/2022</a:t>
             </a:fld>
             <a:endParaRPr lang="en-US" dirty="0"/>
           </a:p>
@@ -2770,7 +2770,7 @@
           <a:p>
             <a:fld id="{F9A96C99-B8F8-4528-BD05-0E16E943DC09}" type="datetime1">
               <a:rPr lang="en-US" smtClean="0"/>
-              <a:t>3/31/2022</a:t>
+              <a:t>4/1/2022</a:t>
             </a:fld>
             <a:endParaRPr lang="en-US" dirty="0"/>
           </a:p>
@@ -2865,7 +2865,7 @@
           <a:p>
             <a:fld id="{03636942-C211-4B28-8DBD-C953E00AF71B}" type="datetime1">
               <a:rPr lang="en-US" smtClean="0"/>
-              <a:t>3/31/2022</a:t>
+              <a:t>4/1/2022</a:t>
             </a:fld>
             <a:endParaRPr lang="en-US" dirty="0"/>
           </a:p>
@@ -3282,7 +3282,7 @@
           <a:p>
             <a:fld id="{7E8D12A6-918A-48BD-8CB9-CA713993B0EA}" type="datetime1">
               <a:rPr lang="en-US" smtClean="0"/>
-              <a:t>3/31/2022</a:t>
+              <a:t>4/1/2022</a:t>
             </a:fld>
             <a:endParaRPr lang="en-US" dirty="0"/>
           </a:p>
@@ -3544,7 +3544,7 @@
             <a:fld id="{E778CE86-875F-4587-BCF6-FA054AFC0D53}" type="datetime1">
               <a:rPr lang="en-US" smtClean="0"/>
               <a:pPr/>
-              <a:t>3/31/2022</a:t>
+              <a:t>4/1/2022</a:t>
             </a:fld>
             <a:endParaRPr lang="en-US" dirty="0"/>
           </a:p>
@@ -4060,7 +4060,7 @@
           <a:p>
             <a:fld id="{F6FA2B21-3FCD-4721-B95C-427943F61125}" type="datetime1">
               <a:rPr lang="en-US" smtClean="0"/>
-              <a:t>3/31/2022</a:t>
+              <a:t>4/1/2022</a:t>
             </a:fld>
             <a:endParaRPr lang="en-US" dirty="0"/>
           </a:p>
@@ -5907,26 +5907,6 @@
                   <a:srgbClr val="65739F"/>
                 </a:solidFill>
               </a:rPr>
-              <a:t> </a:t>
-            </a:r>
-            <a:r>
-              <a:rPr lang="en-US" sz="1400" i="1" dirty="0">
-                <a:solidFill>
-                  <a:srgbClr val="65739F"/>
-                </a:solidFill>
-              </a:rPr>
-              <a:t>gunshot</a:t>
-            </a:r>
-            <a:r>
-              <a:rPr lang="en-US" sz="1400" dirty="0"/>
-              <a:t>,</a:t>
-            </a:r>
-            <a:r>
-              <a:rPr lang="en-US" sz="1400" dirty="0">
-                <a:solidFill>
-                  <a:srgbClr val="65739F"/>
-                </a:solidFill>
-              </a:rPr>
               <a:t> “</a:t>
             </a:r>
             <a:r>
@@ -5960,18 +5940,6 @@
             <a:r>
               <a:rPr lang="en-US" sz="1400" i="1" dirty="0"/>
               <a:t>childhood sexual abuse</a:t>
-            </a:r>
-            <a:r>
-              <a:rPr lang="en-US" sz="1400" dirty="0"/>
-              <a:t>, </a:t>
-            </a:r>
-            <a:r>
-              <a:rPr lang="en-US" sz="1400" dirty="0">
-                <a:solidFill>
-                  <a:srgbClr val="65739F"/>
-                </a:solidFill>
-              </a:rPr>
-              <a:t>repressed</a:t>
             </a:r>
             <a:r>
               <a:rPr lang="en-US" sz="1400" dirty="0"/>
@@ -6129,13 +6097,13 @@
   <p:clrMapOvr>
     <a:masterClrMapping/>
   </p:clrMapOvr>
-  <mc:AlternateContent xmlns:mc="http://schemas.openxmlformats.org/markup-compatibility/2006">
-    <mc:Choice xmlns:p159="http://schemas.microsoft.com/office/powerpoint/2015/09/main" Requires="p159">
+  <mc:AlternateContent xmlns:mc="http://schemas.openxmlformats.org/markup-compatibility/2006" xmlns:p159="http://schemas.microsoft.com/office/powerpoint/2015/09/main">
+    <mc:Choice Requires="p159">
       <p:transition>
         <p159:morph option="byObject"/>
       </p:transition>
     </mc:Choice>
-    <mc:Fallback>
+    <mc:Fallback xmlns="">
       <p:transition>
         <p:fade/>
       </p:transition>
@@ -6253,6 +6221,14 @@
 <file path=ppt/slides/slide13.xml><?xml version="1.0" encoding="utf-8"?>
 <p:sld xmlns:a="http://schemas.openxmlformats.org/drawingml/2006/main" xmlns:r="http://schemas.openxmlformats.org/officeDocument/2006/relationships" xmlns:p="http://schemas.openxmlformats.org/presentationml/2006/main">
   <p:cSld>
+    <p:bg>
+      <p:bgPr>
+        <a:solidFill>
+          <a:schemeClr val="bg1"/>
+        </a:solidFill>
+        <a:effectLst/>
+      </p:bgPr>
+    </p:bg>
     <p:spTree>
       <p:nvGrpSpPr>
         <p:cNvPr id="1" name=""/>
@@ -6766,13 +6742,13 @@
   <p:clrMapOvr>
     <a:masterClrMapping/>
   </p:clrMapOvr>
-  <mc:AlternateContent xmlns:mc="http://schemas.openxmlformats.org/markup-compatibility/2006">
-    <mc:Choice xmlns:p159="http://schemas.microsoft.com/office/powerpoint/2015/09/main" Requires="p159">
+  <mc:AlternateContent xmlns:mc="http://schemas.openxmlformats.org/markup-compatibility/2006" xmlns:p159="http://schemas.microsoft.com/office/powerpoint/2015/09/main">
+    <mc:Choice Requires="p159">
       <p:transition>
         <p159:morph option="byObject"/>
       </p:transition>
     </mc:Choice>
-    <mc:Fallback>
+    <mc:Fallback xmlns="">
       <p:transition>
         <p:fade/>
       </p:transition>
@@ -12789,13 +12765,13 @@
   <p:clrMapOvr>
     <a:masterClrMapping/>
   </p:clrMapOvr>
-  <mc:AlternateContent xmlns:mc="http://schemas.openxmlformats.org/markup-compatibility/2006">
-    <mc:Choice xmlns:p159="http://schemas.microsoft.com/office/powerpoint/2015/09/main" Requires="p159">
+  <mc:AlternateContent xmlns:mc="http://schemas.openxmlformats.org/markup-compatibility/2006" xmlns:p159="http://schemas.microsoft.com/office/powerpoint/2015/09/main">
+    <mc:Choice Requires="p159">
       <p:transition xmlns:p14="http://schemas.microsoft.com/office/powerpoint/2010/main" spd="slow" p14:dur="2000">
         <p159:morph option="byObject"/>
       </p:transition>
     </mc:Choice>
-    <mc:Fallback>
+    <mc:Fallback xmlns="">
       <p:transition spd="slow">
         <p:fade/>
       </p:transition>
@@ -16198,8 +16174,15 @@
 <ds:datastoreItem xmlns:ds="http://schemas.openxmlformats.org/officeDocument/2006/customXml" ds:itemID="{946BCBFB-BBC7-42F1-95CD-058E172363A0}">
   <ds:schemaRefs>
     <ds:schemaRef ds:uri="http://schemas.microsoft.com/office/2006/metadata/properties"/>
+    <ds:schemaRef ds:uri="http://schemas.microsoft.com/office/2006/documentManagement/types"/>
     <ds:schemaRef ds:uri="http://schemas.microsoft.com/office/infopath/2007/PartnerControls"/>
     <ds:schemaRef ds:uri="71af3243-3dd4-4a8d-8c0d-dd76da1f02a5"/>
+    <ds:schemaRef ds:uri="http://www.w3.org/XML/1998/namespace"/>
+    <ds:schemaRef ds:uri="http://purl.org/dc/terms/"/>
+    <ds:schemaRef ds:uri="http://purl.org/dc/elements/1.1/"/>
+    <ds:schemaRef ds:uri="http://schemas.openxmlformats.org/package/2006/metadata/core-properties"/>
+    <ds:schemaRef ds:uri="16c05727-aa75-4e4a-9b5f-8a80a1165891"/>
+    <ds:schemaRef ds:uri="http://purl.org/dc/dcmitype/"/>
   </ds:schemaRefs>
 </ds:datastoreItem>
 </file>
